--- a/slides/03_CS449_Data-Representation-II.pptx
+++ b/slides/03_CS449_Data-Representation-II.pptx
@@ -15466,49 +15466,6 @@
           </a:p>
         </p:txBody>
       </p:sp>
-      <p:sp>
-        <p:nvSpPr>
-          <p:cNvPr id="53" name="TextBox 52">
-            <a:extLst>
-              <a:ext uri="{FF2B5EF4-FFF2-40B4-BE49-F238E27FC236}">
-                <a16:creationId xmlns:a16="http://schemas.microsoft.com/office/drawing/2014/main" id="{2EF20061-FE41-45D1-B9B0-EF510FA9C41D}"/>
-              </a:ext>
-            </a:extLst>
-          </p:cNvPr>
-          <p:cNvSpPr txBox="1"/>
-          <p:nvPr/>
-        </p:nvSpPr>
-        <p:spPr>
-          <a:xfrm>
-            <a:off x="247629" y="5170343"/>
-            <a:ext cx="3836875" cy="430887"/>
-          </a:xfrm>
-          <a:prstGeom prst="rect">
-            <a:avLst/>
-          </a:prstGeom>
-          <a:noFill/>
-        </p:spPr>
-        <p:txBody>
-          <a:bodyPr wrap="square" rtlCol="0">
-            <a:spAutoFit/>
-          </a:bodyPr>
-          <a:lstStyle/>
-          <a:p>
-            <a:r>
-              <a:rPr lang="en-US" sz="2200" b="1" dirty="0"/>
-              <a:t>Is there a </a:t>
-            </a:r>
-            <a:r>
-              <a:rPr lang="en-US" sz="2200" b="1" dirty="0" err="1"/>
-              <a:t>sla</a:t>
-            </a:r>
-            <a:r>
-              <a:rPr lang="en-US" sz="2200" b="1" dirty="0"/>
-              <a:t> instruction?</a:t>
-            </a:r>
-          </a:p>
-        </p:txBody>
-      </p:sp>
     </p:spTree>
     <p:extLst>
       <p:ext uri="{BB962C8B-B14F-4D97-AF65-F5344CB8AC3E}">
@@ -16103,51 +16060,6 @@
                       </p:childTnLst>
                     </p:cTn>
                   </p:par>
-                  <p:par>
-                    <p:cTn id="53" fill="hold">
-                      <p:stCondLst>
-                        <p:cond delay="indefinite"/>
-                      </p:stCondLst>
-                      <p:childTnLst>
-                        <p:par>
-                          <p:cTn id="54" fill="hold">
-                            <p:stCondLst>
-                              <p:cond delay="0"/>
-                            </p:stCondLst>
-                            <p:childTnLst>
-                              <p:par>
-                                <p:cTn id="55" presetID="1" presetClass="entr" presetSubtype="0" fill="hold" grpId="0" nodeType="clickEffect">
-                                  <p:stCondLst>
-                                    <p:cond delay="0"/>
-                                  </p:stCondLst>
-                                  <p:childTnLst>
-                                    <p:set>
-                                      <p:cBhvr>
-                                        <p:cTn id="56" dur="1" fill="hold">
-                                          <p:stCondLst>
-                                            <p:cond delay="0"/>
-                                          </p:stCondLst>
-                                        </p:cTn>
-                                        <p:tgtEl>
-                                          <p:spTgt spid="53"/>
-                                        </p:tgtEl>
-                                        <p:attrNameLst>
-                                          <p:attrName>style.visibility</p:attrName>
-                                        </p:attrNameLst>
-                                      </p:cBhvr>
-                                      <p:to>
-                                        <p:strVal val="visible"/>
-                                      </p:to>
-                                    </p:set>
-                                  </p:childTnLst>
-                                </p:cTn>
-                              </p:par>
-                            </p:childTnLst>
-                          </p:cTn>
-                        </p:par>
-                      </p:childTnLst>
-                    </p:cTn>
-                  </p:par>
                 </p:childTnLst>
               </p:cTn>
               <p:prevCondLst>
@@ -16180,7 +16092,6 @@
       <p:bldP spid="68" grpId="0"/>
       <p:bldP spid="78" grpId="0"/>
       <p:bldP spid="88" grpId="0"/>
-      <p:bldP spid="53" grpId="0"/>
     </p:bldLst>
   </p:timing>
 </p:sld>
